--- a/0_프로젝트관리/강사님보고/2140711_시스템설계_청량음료.pptx
+++ b/0_프로젝트관리/강사님보고/2140711_시스템설계_청량음료.pptx
@@ -13629,77 +13629,77 @@
           <a:lstStyle/>
           <a:p>
             <a:r>
-              <a:rPr lang="en-US" altLang="ko-KR" sz="800" dirty="0"/>
+              <a:rPr lang="en-US" altLang="ko-KR" sz="800" dirty="0" smtClean="0"/>
               <a:t>+ </a:t>
             </a:r>
             <a:r>
-              <a:rPr lang="en-US" altLang="ko-KR" sz="800" dirty="0" err="1"/>
+              <a:rPr lang="en-US" altLang="ko-KR" sz="800" dirty="0" err="1" smtClean="0"/>
               <a:t>getProductDAO</a:t>
             </a:r>
             <a:r>
-              <a:rPr lang="en-US" altLang="ko-KR" sz="800" dirty="0"/>
+              <a:rPr lang="en-US" altLang="ko-KR" sz="800" dirty="0" smtClean="0"/>
               <a:t>(): </a:t>
             </a:r>
             <a:r>
               <a:rPr lang="en-US" altLang="ko-KR" sz="800" dirty="0" err="1" smtClean="0"/>
-              <a:t>mySqlProductDAO</a:t>
-            </a:r>
-            <a:endParaRPr lang="en-US" altLang="ko-KR" sz="800" dirty="0"/>
-          </a:p>
-          <a:p>
-            <a:r>
-              <a:rPr lang="en-US" altLang="ko-KR" sz="800" dirty="0"/>
+              <a:t>MySqlProductDAO</a:t>
+            </a:r>
+            <a:endParaRPr lang="en-US" altLang="ko-KR" sz="800" dirty="0" smtClean="0"/>
+          </a:p>
+          <a:p>
+            <a:r>
+              <a:rPr lang="en-US" altLang="ko-KR" sz="800" dirty="0" smtClean="0"/>
               <a:t>+ </a:t>
             </a:r>
             <a:r>
-              <a:rPr lang="en-US" altLang="ko-KR" sz="800" dirty="0" err="1"/>
+              <a:rPr lang="en-US" altLang="ko-KR" sz="800" dirty="0" err="1" smtClean="0"/>
               <a:t>getCustomerDAO</a:t>
             </a:r>
             <a:r>
-              <a:rPr lang="en-US" altLang="ko-KR" sz="800" dirty="0"/>
+              <a:rPr lang="en-US" altLang="ko-KR" sz="800" dirty="0" smtClean="0"/>
               <a:t>(): </a:t>
             </a:r>
             <a:r>
               <a:rPr lang="en-US" altLang="ko-KR" sz="800" dirty="0" err="1" smtClean="0"/>
-              <a:t>mySqlCustomerDAO</a:t>
-            </a:r>
-            <a:endParaRPr lang="en-US" altLang="ko-KR" sz="800" dirty="0"/>
-          </a:p>
-          <a:p>
-            <a:r>
-              <a:rPr lang="en-US" altLang="ko-KR" sz="800" dirty="0"/>
+              <a:t>MySqlCustomerDAO</a:t>
+            </a:r>
+            <a:endParaRPr lang="en-US" altLang="ko-KR" sz="800" dirty="0" smtClean="0"/>
+          </a:p>
+          <a:p>
+            <a:r>
+              <a:rPr lang="en-US" altLang="ko-KR" sz="800" dirty="0" smtClean="0"/>
               <a:t>+ </a:t>
             </a:r>
             <a:r>
-              <a:rPr lang="en-US" altLang="ko-KR" sz="800" dirty="0" err="1"/>
+              <a:rPr lang="en-US" altLang="ko-KR" sz="800" dirty="0" err="1" smtClean="0"/>
               <a:t>getVillageDAO</a:t>
             </a:r>
             <a:r>
-              <a:rPr lang="en-US" altLang="ko-KR" sz="800" dirty="0"/>
+              <a:rPr lang="en-US" altLang="ko-KR" sz="800" dirty="0" smtClean="0"/>
               <a:t>(): </a:t>
             </a:r>
             <a:r>
               <a:rPr lang="en-US" altLang="ko-KR" sz="800" dirty="0" err="1" smtClean="0"/>
-              <a:t>mySqlVillageDAO</a:t>
-            </a:r>
-            <a:endParaRPr lang="en-US" altLang="ko-KR" sz="800" dirty="0"/>
-          </a:p>
-          <a:p>
-            <a:r>
-              <a:rPr lang="en-US" altLang="ko-KR" sz="800" dirty="0"/>
+              <a:t>MySqlVillageDAO</a:t>
+            </a:r>
+            <a:endParaRPr lang="en-US" altLang="ko-KR" sz="800" dirty="0" smtClean="0"/>
+          </a:p>
+          <a:p>
+            <a:r>
+              <a:rPr lang="en-US" altLang="ko-KR" sz="800" dirty="0" smtClean="0"/>
               <a:t>+ </a:t>
             </a:r>
             <a:r>
-              <a:rPr lang="en-US" altLang="ko-KR" sz="800" dirty="0" err="1"/>
+              <a:rPr lang="en-US" altLang="ko-KR" sz="800" dirty="0" err="1" smtClean="0"/>
               <a:t>getSharingDAO</a:t>
             </a:r>
             <a:r>
-              <a:rPr lang="en-US" altLang="ko-KR" sz="800" dirty="0"/>
+              <a:rPr lang="en-US" altLang="ko-KR" sz="800" dirty="0" smtClean="0"/>
               <a:t>(): </a:t>
             </a:r>
             <a:r>
               <a:rPr lang="en-US" altLang="ko-KR" sz="800" dirty="0" err="1" smtClean="0"/>
-              <a:t>mySqlSharingDAO</a:t>
+              <a:t>MySqlSharingDAO</a:t>
             </a:r>
             <a:endParaRPr lang="en-US" altLang="ko-KR" sz="800" dirty="0"/>
           </a:p>
@@ -14235,7 +14235,7 @@
         </p:nvGrpSpPr>
         <p:grpSpPr>
           <a:xfrm>
-            <a:off x="6681204" y="548680"/>
+            <a:off x="6681204" y="476672"/>
             <a:ext cx="2016224" cy="1145094"/>
             <a:chOff x="251520" y="4509120"/>
             <a:chExt cx="2016224" cy="1145094"/>
@@ -14366,7 +14366,7 @@
         </p:nvGrpSpPr>
         <p:grpSpPr>
           <a:xfrm>
-            <a:off x="6674460" y="2147004"/>
+            <a:off x="6674460" y="2060848"/>
             <a:ext cx="2016224" cy="995918"/>
             <a:chOff x="2555776" y="4509120"/>
             <a:chExt cx="2016224" cy="995918"/>
@@ -14500,7 +14500,7 @@
         </p:nvSpPr>
         <p:spPr>
           <a:xfrm>
-            <a:off x="6660232" y="3645024"/>
+            <a:off x="6660232" y="3501008"/>
             <a:ext cx="2016224" cy="790371"/>
           </a:xfrm>
           <a:prstGeom prst="rect">
@@ -14554,7 +14554,7 @@
         </p:nvSpPr>
         <p:spPr>
           <a:xfrm>
-            <a:off x="6660232" y="3645024"/>
+            <a:off x="6660232" y="3501008"/>
             <a:ext cx="2016224" cy="288032"/>
           </a:xfrm>
           <a:prstGeom prst="rect">
@@ -14618,7 +14618,7 @@
         </p:nvSpPr>
         <p:spPr>
           <a:xfrm>
-            <a:off x="6660232" y="4437193"/>
+            <a:off x="6660232" y="4293177"/>
             <a:ext cx="2016224" cy="352925"/>
           </a:xfrm>
           <a:prstGeom prst="rect">
@@ -14679,8 +14679,8 @@
         </p:nvSpPr>
         <p:spPr>
           <a:xfrm>
-            <a:off x="6689914" y="3148989"/>
-            <a:ext cx="1997901" cy="352926"/>
+            <a:off x="6674460" y="3062833"/>
+            <a:ext cx="2019706" cy="352926"/>
           </a:xfrm>
           <a:prstGeom prst="rect">
             <a:avLst/>
@@ -14740,8 +14740,8 @@
         </p:nvGrpSpPr>
         <p:grpSpPr>
           <a:xfrm>
-            <a:off x="6660232" y="4929642"/>
-            <a:ext cx="2016224" cy="875703"/>
+            <a:off x="6660232" y="4785626"/>
+            <a:ext cx="2016224" cy="1242777"/>
             <a:chOff x="6932471" y="4507403"/>
             <a:chExt cx="2016224" cy="875703"/>
           </a:xfrm>
@@ -14874,8 +14874,8 @@
         </p:nvSpPr>
         <p:spPr>
           <a:xfrm>
-            <a:off x="6689915" y="836712"/>
-            <a:ext cx="1018227" cy="830997"/>
+            <a:off x="6689915" y="764704"/>
+            <a:ext cx="1300356" cy="830997"/>
           </a:xfrm>
           <a:prstGeom prst="rect">
             <a:avLst/>
@@ -14893,8 +14893,20 @@
               <a:t>- </a:t>
             </a:r>
             <a:r>
+              <a:rPr lang="en-US" altLang="ko-KR" sz="800" dirty="0" err="1"/>
+              <a:t>i</a:t>
+            </a:r>
+            <a:r>
               <a:rPr lang="en-US" altLang="ko-KR" sz="800" dirty="0" err="1" smtClean="0"/>
-              <a:t>product_id</a:t>
+              <a:t>nt</a:t>
+            </a:r>
+            <a:r>
+              <a:rPr lang="en-US" altLang="ko-KR" sz="800" dirty="0" smtClean="0"/>
+              <a:t> </a:t>
+            </a:r>
+            <a:r>
+              <a:rPr lang="en-US" altLang="ko-KR" sz="800" dirty="0" err="1" smtClean="0"/>
+              <a:t>productId</a:t>
             </a:r>
             <a:endParaRPr lang="en-US" altLang="ko-KR" sz="800" dirty="0" smtClean="0"/>
           </a:p>
@@ -14904,8 +14916,12 @@
               <a:t>- </a:t>
             </a:r>
             <a:r>
+              <a:rPr lang="en-US" altLang="ko-KR" sz="800" dirty="0" smtClean="0"/>
+              <a:t>Sting </a:t>
+            </a:r>
+            <a:r>
               <a:rPr lang="en-US" altLang="ko-KR" sz="800" dirty="0" err="1" smtClean="0"/>
-              <a:t>product_name</a:t>
+              <a:t>productName</a:t>
             </a:r>
             <a:endParaRPr lang="en-US" altLang="ko-KR" sz="800" dirty="0" smtClean="0"/>
           </a:p>
@@ -14915,10 +14931,32 @@
               <a:t>- </a:t>
             </a:r>
             <a:r>
+              <a:rPr lang="en-US" altLang="ko-KR" sz="800" dirty="0" smtClean="0"/>
+              <a:t>String </a:t>
+            </a:r>
+            <a:r>
               <a:rPr lang="en-US" altLang="ko-KR" sz="800" dirty="0" err="1" smtClean="0"/>
-              <a:t>product_picture</a:t>
+              <a:t>productPicture</a:t>
             </a:r>
             <a:endParaRPr lang="en-US" altLang="ko-KR" sz="800" dirty="0" smtClean="0"/>
+          </a:p>
+          <a:p>
+            <a:r>
+              <a:rPr lang="en-US" altLang="ko-KR" sz="800" dirty="0" smtClean="0"/>
+              <a:t>- Date</a:t>
+            </a:r>
+            <a:r>
+              <a:rPr lang="en-US" altLang="ko-KR" sz="800" dirty="0" smtClean="0"/>
+              <a:t> </a:t>
+            </a:r>
+            <a:r>
+              <a:rPr lang="en-US" altLang="ko-KR" sz="800" dirty="0" err="1" smtClean="0"/>
+              <a:t>registrationDate</a:t>
+            </a:r>
+            <a:r>
+              <a:rPr lang="en-US" altLang="ko-KR" sz="800" dirty="0" smtClean="0"/>
+              <a:t> </a:t>
+            </a:r>
           </a:p>
           <a:p>
             <a:r>
@@ -14927,7 +14965,15 @@
             </a:r>
             <a:r>
               <a:rPr lang="en-US" altLang="ko-KR" sz="800" dirty="0" err="1" smtClean="0"/>
-              <a:t>registry_product</a:t>
+              <a:t>int</a:t>
+            </a:r>
+            <a:r>
+              <a:rPr lang="en-US" altLang="ko-KR" sz="800" dirty="0" smtClean="0"/>
+              <a:t> </a:t>
+            </a:r>
+            <a:r>
+              <a:rPr lang="en-US" altLang="ko-KR" sz="800" dirty="0" err="1" smtClean="0"/>
+              <a:t>categoryId</a:t>
             </a:r>
             <a:endParaRPr lang="en-US" altLang="ko-KR" sz="800" dirty="0" smtClean="0"/>
           </a:p>
@@ -14938,18 +14984,15 @@
             </a:r>
             <a:r>
               <a:rPr lang="en-US" altLang="ko-KR" sz="800" dirty="0" err="1" smtClean="0"/>
-              <a:t>category_id</a:t>
-            </a:r>
-            <a:endParaRPr lang="en-US" altLang="ko-KR" sz="800" dirty="0" smtClean="0"/>
-          </a:p>
-          <a:p>
+              <a:t>int</a:t>
+            </a:r>
             <a:r>
               <a:rPr lang="en-US" altLang="ko-KR" sz="800" dirty="0" smtClean="0"/>
-              <a:t>- </a:t>
+              <a:t> </a:t>
             </a:r>
             <a:r>
               <a:rPr lang="en-US" altLang="ko-KR" sz="800" dirty="0" err="1" smtClean="0"/>
-              <a:t>cutomer_id</a:t>
+              <a:t>cutomerId</a:t>
             </a:r>
             <a:endParaRPr lang="ko-KR" altLang="en-US" sz="800" dirty="0"/>
           </a:p>
@@ -14963,8 +15006,8 @@
         </p:nvSpPr>
         <p:spPr>
           <a:xfrm>
-            <a:off x="6674459" y="2435036"/>
-            <a:ext cx="1247457" cy="707886"/>
+            <a:off x="6674459" y="2348880"/>
+            <a:ext cx="1305165" cy="707886"/>
           </a:xfrm>
           <a:prstGeom prst="rect">
             <a:avLst/>
@@ -14983,7 +15026,15 @@
             </a:r>
             <a:r>
               <a:rPr lang="en-US" altLang="ko-KR" sz="800" dirty="0" err="1" smtClean="0"/>
-              <a:t>customer_id</a:t>
+              <a:t>int</a:t>
+            </a:r>
+            <a:r>
+              <a:rPr lang="en-US" altLang="ko-KR" sz="800" dirty="0" smtClean="0"/>
+              <a:t> </a:t>
+            </a:r>
+            <a:r>
+              <a:rPr lang="en-US" altLang="ko-KR" sz="800" dirty="0" err="1" smtClean="0"/>
+              <a:t>customerId</a:t>
             </a:r>
             <a:endParaRPr lang="en-US" altLang="ko-KR" sz="800" dirty="0" smtClean="0"/>
           </a:p>
@@ -14993,8 +15044,12 @@
               <a:t>- </a:t>
             </a:r>
             <a:r>
+              <a:rPr lang="en-US" altLang="ko-KR" sz="800" dirty="0" smtClean="0"/>
+              <a:t>String </a:t>
+            </a:r>
+            <a:r>
               <a:rPr lang="en-US" altLang="ko-KR" sz="800" dirty="0" err="1" smtClean="0"/>
-              <a:t>customer_name</a:t>
+              <a:t>customerName</a:t>
             </a:r>
             <a:endParaRPr lang="en-US" altLang="ko-KR" sz="800" dirty="0" smtClean="0"/>
           </a:p>
@@ -15016,7 +15071,15 @@
             </a:r>
             <a:r>
               <a:rPr lang="en-US" altLang="ko-KR" sz="800" dirty="0" err="1" smtClean="0"/>
-              <a:t>auto_login</a:t>
+              <a:t>boolean</a:t>
+            </a:r>
+            <a:r>
+              <a:rPr lang="en-US" altLang="ko-KR" sz="800" dirty="0" smtClean="0"/>
+              <a:t> </a:t>
+            </a:r>
+            <a:r>
+              <a:rPr lang="en-US" altLang="ko-KR" sz="800" dirty="0" err="1" smtClean="0"/>
+              <a:t>autoLogin</a:t>
             </a:r>
             <a:endParaRPr lang="en-US" altLang="ko-KR" sz="800" dirty="0" smtClean="0"/>
           </a:p>
@@ -15026,8 +15089,12 @@
               <a:t>- </a:t>
             </a:r>
             <a:r>
+              <a:rPr lang="en-US" altLang="ko-KR" sz="800" dirty="0" smtClean="0"/>
+              <a:t>String </a:t>
+            </a:r>
+            <a:r>
               <a:rPr lang="en-US" altLang="ko-KR" sz="800" dirty="0" err="1" smtClean="0"/>
-              <a:t>customer_email</a:t>
+              <a:t>customerEmail</a:t>
             </a:r>
             <a:endParaRPr lang="ko-KR" altLang="en-US" sz="800" dirty="0"/>
           </a:p>
@@ -15041,8 +15108,8 @@
         </p:nvSpPr>
         <p:spPr>
           <a:xfrm>
-            <a:off x="6674460" y="3934235"/>
-            <a:ext cx="1242648" cy="461665"/>
+            <a:off x="6674460" y="3790219"/>
+            <a:ext cx="1148071" cy="461665"/>
           </a:xfrm>
           <a:prstGeom prst="rect">
             <a:avLst/>
@@ -15061,7 +15128,15 @@
             </a:r>
             <a:r>
               <a:rPr lang="en-US" altLang="ko-KR" sz="800" dirty="0" err="1" smtClean="0"/>
-              <a:t>Village_id</a:t>
+              <a:t>int</a:t>
+            </a:r>
+            <a:r>
+              <a:rPr lang="en-US" altLang="ko-KR" sz="800" dirty="0" smtClean="0"/>
+              <a:t> </a:t>
+            </a:r>
+            <a:r>
+              <a:rPr lang="en-US" altLang="ko-KR" sz="800" dirty="0" err="1" smtClean="0"/>
+              <a:t>villageId</a:t>
             </a:r>
             <a:endParaRPr lang="en-US" altLang="ko-KR" sz="800" dirty="0" smtClean="0"/>
           </a:p>
@@ -15071,8 +15146,12 @@
               <a:t>- </a:t>
             </a:r>
             <a:r>
+              <a:rPr lang="en-US" altLang="ko-KR" sz="800" dirty="0" smtClean="0"/>
+              <a:t>String </a:t>
+            </a:r>
+            <a:r>
               <a:rPr lang="en-US" altLang="ko-KR" sz="800" dirty="0" err="1" smtClean="0"/>
-              <a:t>Village_name</a:t>
+              <a:t>villageName</a:t>
             </a:r>
             <a:endParaRPr lang="en-US" altLang="ko-KR" sz="800" dirty="0" smtClean="0"/>
           </a:p>
@@ -15082,8 +15161,20 @@
               <a:t>- </a:t>
             </a:r>
             <a:r>
+              <a:rPr lang="en-US" altLang="ko-KR" sz="800" dirty="0" err="1"/>
+              <a:t>i</a:t>
+            </a:r>
+            <a:r>
               <a:rPr lang="en-US" altLang="ko-KR" sz="800" dirty="0" err="1" smtClean="0"/>
-              <a:t>Village_person_count</a:t>
+              <a:t>nt</a:t>
+            </a:r>
+            <a:r>
+              <a:rPr lang="en-US" altLang="ko-KR" sz="800" dirty="0" smtClean="0"/>
+              <a:t> population</a:t>
+            </a:r>
+            <a:r>
+              <a:rPr lang="en-US" altLang="ko-KR" sz="800" dirty="0"/>
+              <a:t>	</a:t>
             </a:r>
             <a:endParaRPr lang="en-US" altLang="ko-KR" sz="800" dirty="0" smtClean="0"/>
           </a:p>
@@ -15097,8 +15188,8 @@
         </p:nvSpPr>
         <p:spPr>
           <a:xfrm>
-            <a:off x="6660233" y="5220570"/>
-            <a:ext cx="981359" cy="584775"/>
+            <a:off x="6660233" y="5190291"/>
+            <a:ext cx="1300356" cy="830997"/>
           </a:xfrm>
           <a:prstGeom prst="rect">
             <a:avLst/>
@@ -15117,7 +15208,56 @@
             </a:r>
             <a:r>
               <a:rPr lang="en-US" altLang="ko-KR" sz="800" dirty="0" err="1" smtClean="0"/>
-              <a:t>Sharing_id</a:t>
+              <a:t>int</a:t>
+            </a:r>
+            <a:r>
+              <a:rPr lang="en-US" altLang="ko-KR" sz="800" dirty="0" smtClean="0"/>
+              <a:t> </a:t>
+            </a:r>
+            <a:r>
+              <a:rPr lang="en-US" altLang="ko-KR" sz="800" dirty="0" err="1" smtClean="0"/>
+              <a:t>sharingId</a:t>
+            </a:r>
+            <a:endParaRPr lang="en-US" altLang="ko-KR" sz="800" dirty="0" smtClean="0"/>
+          </a:p>
+          <a:p>
+            <a:r>
+              <a:rPr lang="en-US" altLang="ko-KR" sz="800" dirty="0"/>
+              <a:t>- Date </a:t>
+            </a:r>
+            <a:r>
+              <a:rPr lang="en-US" altLang="ko-KR" sz="800" dirty="0" err="1"/>
+              <a:t>registrationDate</a:t>
+            </a:r>
+            <a:r>
+              <a:rPr lang="en-US" altLang="ko-KR" sz="800" dirty="0"/>
+              <a:t> </a:t>
+            </a:r>
+            <a:endParaRPr lang="en-US" altLang="ko-KR" sz="800" dirty="0" smtClean="0"/>
+          </a:p>
+          <a:p>
+            <a:r>
+              <a:rPr lang="en-US" altLang="ko-KR" sz="800" dirty="0" smtClean="0"/>
+              <a:t>- Date </a:t>
+            </a:r>
+            <a:r>
+              <a:rPr lang="en-US" altLang="ko-KR" sz="800" dirty="0" err="1" smtClean="0"/>
+              <a:t>start</a:t>
+            </a:r>
+            <a:r>
+              <a:rPr lang="en-US" altLang="ko-KR" sz="800" dirty="0" err="1" smtClean="0"/>
+              <a:t>Date</a:t>
+            </a:r>
+            <a:endParaRPr lang="en-US" altLang="ko-KR" sz="800" dirty="0" smtClean="0"/>
+          </a:p>
+          <a:p>
+            <a:r>
+              <a:rPr lang="en-US" altLang="ko-KR" sz="800" dirty="0" smtClean="0"/>
+              <a:t>- Date </a:t>
+            </a:r>
+            <a:r>
+              <a:rPr lang="en-US" altLang="ko-KR" sz="800" dirty="0" err="1" smtClean="0"/>
+              <a:t>endDate</a:t>
             </a:r>
             <a:endParaRPr lang="en-US" altLang="ko-KR" sz="800" dirty="0" smtClean="0"/>
           </a:p>
@@ -15128,18 +15268,19 @@
             </a:r>
             <a:r>
               <a:rPr lang="en-US" altLang="ko-KR" sz="800" dirty="0" err="1" smtClean="0"/>
-              <a:t>Lending_period</a:t>
-            </a:r>
-            <a:endParaRPr lang="en-US" altLang="ko-KR" sz="800" dirty="0" smtClean="0"/>
-          </a:p>
-          <a:p>
+              <a:t>int</a:t>
+            </a:r>
             <a:r>
               <a:rPr lang="en-US" altLang="ko-KR" sz="800" dirty="0" smtClean="0"/>
-              <a:t>- </a:t>
+              <a:t> </a:t>
             </a:r>
             <a:r>
               <a:rPr lang="en-US" altLang="ko-KR" sz="800" dirty="0" err="1" smtClean="0"/>
-              <a:t>Application_id</a:t>
+              <a:t>customer</a:t>
+            </a:r>
+            <a:r>
+              <a:rPr lang="en-US" altLang="ko-KR" sz="800" dirty="0" err="1" smtClean="0"/>
+              <a:t>Id</a:t>
             </a:r>
             <a:endParaRPr lang="en-US" altLang="ko-KR" sz="800" dirty="0" smtClean="0"/>
           </a:p>
@@ -15164,7 +15305,7 @@
         </p:nvSpPr>
         <p:spPr>
           <a:xfrm>
-            <a:off x="6660233" y="5805345"/>
+            <a:off x="6660233" y="6028403"/>
             <a:ext cx="2016224" cy="352925"/>
           </a:xfrm>
           <a:prstGeom prst="rect">
@@ -15225,7 +15366,7 @@
         </p:nvSpPr>
         <p:spPr>
           <a:xfrm>
-            <a:off x="6681894" y="1693774"/>
+            <a:off x="6681894" y="1621766"/>
             <a:ext cx="2016224" cy="352925"/>
           </a:xfrm>
           <a:prstGeom prst="rect">
